--- a/PalMod2022/docs/ppt/8_workflow_manager_offline_coupler.pptx
+++ b/PalMod2022/docs/ppt/8_workflow_manager_offline_coupler.pptx
@@ -5,13 +5,14 @@
     <p:sldMasterId id="2147483648" r:id="rId1"/>
   </p:sldMasterIdLst>
   <p:notesMasterIdLst>
-    <p:notesMasterId r:id="rId6"/>
+    <p:notesMasterId r:id="rId7"/>
   </p:notesMasterIdLst>
   <p:sldIdLst>
     <p:sldId id="256" r:id="rId2"/>
     <p:sldId id="294" r:id="rId3"/>
     <p:sldId id="304" r:id="rId4"/>
-    <p:sldId id="262" r:id="rId5"/>
+    <p:sldId id="305" r:id="rId5"/>
+    <p:sldId id="262" r:id="rId6"/>
   </p:sldIdLst>
   <p:sldSz cx="12192000" cy="6858000"/>
   <p:notesSz cx="6858000" cy="9144000"/>
@@ -200,7 +201,7 @@
           <a:p>
             <a:fld id="{6E9F3623-BADA-9F42-891A-8A5F0587E717}" type="datetimeFigureOut">
               <a:rPr lang="en-GB" smtClean="0"/>
-              <a:t>19/04/2022</a:t>
+              <a:t>20/04/2022</a:t>
             </a:fld>
             <a:endParaRPr lang="en-GB"/>
           </a:p>
@@ -639,6 +640,90 @@
 </p:notes>
 </file>
 
+<file path=ppt/notesSlides/notesSlide3.xml><?xml version="1.0" encoding="utf-8"?>
+<p:notes xmlns:a="http://schemas.openxmlformats.org/drawingml/2006/main" xmlns:r="http://schemas.openxmlformats.org/officeDocument/2006/relationships" xmlns:p="http://schemas.openxmlformats.org/presentationml/2006/main">
+  <p:cSld>
+    <p:spTree>
+      <p:nvGrpSpPr>
+        <p:cNvPr id="1" name=""/>
+        <p:cNvGrpSpPr/>
+        <p:nvPr/>
+      </p:nvGrpSpPr>
+      <p:grpSpPr>
+        <a:xfrm>
+          <a:off x="0" y="0"/>
+          <a:ext cx="0" cy="0"/>
+          <a:chOff x="0" y="0"/>
+          <a:chExt cx="0" cy="0"/>
+        </a:xfrm>
+      </p:grpSpPr>
+      <p:sp>
+        <p:nvSpPr>
+          <p:cNvPr id="2" name="Slide Image Placeholder 1"/>
+          <p:cNvSpPr>
+            <a:spLocks noGrp="1" noRot="1" noChangeAspect="1"/>
+          </p:cNvSpPr>
+          <p:nvPr>
+            <p:ph type="sldImg"/>
+          </p:nvPr>
+        </p:nvSpPr>
+        <p:spPr/>
+      </p:sp>
+      <p:sp>
+        <p:nvSpPr>
+          <p:cNvPr id="3" name="Notes Placeholder 2"/>
+          <p:cNvSpPr>
+            <a:spLocks noGrp="1"/>
+          </p:cNvSpPr>
+          <p:nvPr>
+            <p:ph type="body" idx="1"/>
+          </p:nvPr>
+        </p:nvSpPr>
+        <p:spPr/>
+        <p:txBody>
+          <a:bodyPr/>
+          <a:lstStyle/>
+          <a:p>
+            <a:endParaRPr lang="en-GB" dirty="0"/>
+          </a:p>
+        </p:txBody>
+      </p:sp>
+      <p:sp>
+        <p:nvSpPr>
+          <p:cNvPr id="4" name="Slide Number Placeholder 3"/>
+          <p:cNvSpPr>
+            <a:spLocks noGrp="1"/>
+          </p:cNvSpPr>
+          <p:nvPr>
+            <p:ph type="sldNum" sz="quarter" idx="5"/>
+          </p:nvPr>
+        </p:nvSpPr>
+        <p:spPr/>
+        <p:txBody>
+          <a:bodyPr/>
+          <a:lstStyle/>
+          <a:p>
+            <a:fld id="{8FD67B02-DFD9-7A48-9B73-D8470A0F5E68}" type="slidenum">
+              <a:rPr lang="en-US" smtClean="0"/>
+              <a:t>4</a:t>
+            </a:fld>
+            <a:endParaRPr lang="en-US"/>
+          </a:p>
+        </p:txBody>
+      </p:sp>
+    </p:spTree>
+    <p:extLst>
+      <p:ext uri="{BB962C8B-B14F-4D97-AF65-F5344CB8AC3E}">
+        <p14:creationId xmlns:p14="http://schemas.microsoft.com/office/powerpoint/2010/main" val="1106612848"/>
+      </p:ext>
+    </p:extLst>
+  </p:cSld>
+  <p:clrMapOvr>
+    <a:masterClrMapping/>
+  </p:clrMapOvr>
+</p:notes>
+</file>
+
 <file path=ppt/slideLayouts/slideLayout1.xml><?xml version="1.0" encoding="utf-8"?>
 <p:sldLayout xmlns:a="http://schemas.openxmlformats.org/drawingml/2006/main" xmlns:r="http://schemas.openxmlformats.org/officeDocument/2006/relationships" xmlns:p="http://schemas.openxmlformats.org/presentationml/2006/main" type="title" preserve="1">
   <p:cSld name="Title Slide">
@@ -770,7 +855,7 @@
           <a:p>
             <a:fld id="{6A96EA6E-A9F3-40C8-A047-16E35C64F658}" type="datetimeFigureOut">
               <a:rPr lang="tr-TR" smtClean="0"/>
-              <a:t>19.04.2022</a:t>
+              <a:t>20.04.2022</a:t>
             </a:fld>
             <a:endParaRPr lang="tr-TR"/>
           </a:p>
@@ -940,7 +1025,7 @@
           <a:p>
             <a:fld id="{6A96EA6E-A9F3-40C8-A047-16E35C64F658}" type="datetimeFigureOut">
               <a:rPr lang="tr-TR" smtClean="0"/>
-              <a:t>19.04.2022</a:t>
+              <a:t>20.04.2022</a:t>
             </a:fld>
             <a:endParaRPr lang="tr-TR"/>
           </a:p>
@@ -1120,7 +1205,7 @@
           <a:p>
             <a:fld id="{6A96EA6E-A9F3-40C8-A047-16E35C64F658}" type="datetimeFigureOut">
               <a:rPr lang="tr-TR" smtClean="0"/>
-              <a:t>19.04.2022</a:t>
+              <a:t>20.04.2022</a:t>
             </a:fld>
             <a:endParaRPr lang="tr-TR"/>
           </a:p>
@@ -1290,7 +1375,7 @@
           <a:p>
             <a:fld id="{6A96EA6E-A9F3-40C8-A047-16E35C64F658}" type="datetimeFigureOut">
               <a:rPr lang="tr-TR" smtClean="0"/>
-              <a:t>19.04.2022</a:t>
+              <a:t>20.04.2022</a:t>
             </a:fld>
             <a:endParaRPr lang="tr-TR"/>
           </a:p>
@@ -1536,7 +1621,7 @@
           <a:p>
             <a:fld id="{6A96EA6E-A9F3-40C8-A047-16E35C64F658}" type="datetimeFigureOut">
               <a:rPr lang="tr-TR" smtClean="0"/>
-              <a:t>19.04.2022</a:t>
+              <a:t>20.04.2022</a:t>
             </a:fld>
             <a:endParaRPr lang="tr-TR"/>
           </a:p>
@@ -1768,7 +1853,7 @@
           <a:p>
             <a:fld id="{6A96EA6E-A9F3-40C8-A047-16E35C64F658}" type="datetimeFigureOut">
               <a:rPr lang="tr-TR" smtClean="0"/>
-              <a:t>19.04.2022</a:t>
+              <a:t>20.04.2022</a:t>
             </a:fld>
             <a:endParaRPr lang="tr-TR"/>
           </a:p>
@@ -2135,7 +2220,7 @@
           <a:p>
             <a:fld id="{6A96EA6E-A9F3-40C8-A047-16E35C64F658}" type="datetimeFigureOut">
               <a:rPr lang="tr-TR" smtClean="0"/>
-              <a:t>19.04.2022</a:t>
+              <a:t>20.04.2022</a:t>
             </a:fld>
             <a:endParaRPr lang="tr-TR"/>
           </a:p>
@@ -2253,7 +2338,7 @@
           <a:p>
             <a:fld id="{6A96EA6E-A9F3-40C8-A047-16E35C64F658}" type="datetimeFigureOut">
               <a:rPr lang="tr-TR" smtClean="0"/>
-              <a:t>19.04.2022</a:t>
+              <a:t>20.04.2022</a:t>
             </a:fld>
             <a:endParaRPr lang="tr-TR"/>
           </a:p>
@@ -2348,7 +2433,7 @@
           <a:p>
             <a:fld id="{6A96EA6E-A9F3-40C8-A047-16E35C64F658}" type="datetimeFigureOut">
               <a:rPr lang="tr-TR" smtClean="0"/>
-              <a:t>19.04.2022</a:t>
+              <a:t>20.04.2022</a:t>
             </a:fld>
             <a:endParaRPr lang="tr-TR"/>
           </a:p>
@@ -2625,7 +2710,7 @@
           <a:p>
             <a:fld id="{6A96EA6E-A9F3-40C8-A047-16E35C64F658}" type="datetimeFigureOut">
               <a:rPr lang="tr-TR" smtClean="0"/>
-              <a:t>19.04.2022</a:t>
+              <a:t>20.04.2022</a:t>
             </a:fld>
             <a:endParaRPr lang="tr-TR"/>
           </a:p>
@@ -2878,7 +2963,7 @@
           <a:p>
             <a:fld id="{6A96EA6E-A9F3-40C8-A047-16E35C64F658}" type="datetimeFigureOut">
               <a:rPr lang="tr-TR" smtClean="0"/>
-              <a:t>19.04.2022</a:t>
+              <a:t>20.04.2022</a:t>
             </a:fld>
             <a:endParaRPr lang="tr-TR"/>
           </a:p>
@@ -3091,7 +3176,7 @@
           <a:p>
             <a:fld id="{6A96EA6E-A9F3-40C8-A047-16E35C64F658}" type="datetimeFigureOut">
               <a:rPr lang="tr-TR" smtClean="0"/>
-              <a:t>19.04.2022</a:t>
+              <a:t>20.04.2022</a:t>
             </a:fld>
             <a:endParaRPr lang="tr-TR"/>
           </a:p>
@@ -8542,6 +8627,1840 @@
       </p:grpSpPr>
       <p:sp>
         <p:nvSpPr>
+          <p:cNvPr id="3" name="Content Placeholder 2">
+            <a:extLst>
+              <a:ext uri="{FF2B5EF4-FFF2-40B4-BE49-F238E27FC236}">
+                <a16:creationId xmlns:a16="http://schemas.microsoft.com/office/drawing/2014/main" id="{84A3CBF0-45DF-5B49-956C-DD18A21F65F9}"/>
+              </a:ext>
+            </a:extLst>
+          </p:cNvPr>
+          <p:cNvSpPr>
+            <a:spLocks noGrp="1"/>
+          </p:cNvSpPr>
+          <p:nvPr>
+            <p:ph idx="1"/>
+          </p:nvPr>
+        </p:nvSpPr>
+        <p:spPr>
+          <a:xfrm>
+            <a:off x="838200" y="1287463"/>
+            <a:ext cx="10515600" cy="4351338"/>
+          </a:xfrm>
+        </p:spPr>
+        <p:txBody>
+          <a:bodyPr/>
+          <a:lstStyle/>
+          <a:p>
+            <a:r>
+              <a:rPr lang="en-US" dirty="0"/>
+              <a:t>The user gains control on</a:t>
+            </a:r>
+          </a:p>
+          <a:p>
+            <a:pPr lvl="1"/>
+            <a:r>
+              <a:rPr lang="en-US" dirty="0"/>
+              <a:t>What is submitted to the job scheduler</a:t>
+            </a:r>
+          </a:p>
+          <a:p>
+            <a:pPr lvl="1"/>
+            <a:r>
+              <a:rPr lang="en-US" dirty="0"/>
+              <a:t>When it is submitted</a:t>
+            </a:r>
+          </a:p>
+          <a:p>
+            <a:r>
+              <a:rPr lang="en-US" dirty="0"/>
+              <a:t>Standard simulations sub-jobs</a:t>
+            </a:r>
+          </a:p>
+          <a:p>
+            <a:pPr lvl="1"/>
+            <a:endParaRPr lang="en-US" dirty="0"/>
+          </a:p>
+        </p:txBody>
+      </p:sp>
+      <p:grpSp>
+        <p:nvGrpSpPr>
+          <p:cNvPr id="29" name="Group 28">
+            <a:extLst>
+              <a:ext uri="{FF2B5EF4-FFF2-40B4-BE49-F238E27FC236}">
+                <a16:creationId xmlns:a16="http://schemas.microsoft.com/office/drawing/2014/main" id="{9DB129A8-4190-CE49-88DE-64ACB5567527}"/>
+              </a:ext>
+            </a:extLst>
+          </p:cNvPr>
+          <p:cNvGrpSpPr/>
+          <p:nvPr/>
+        </p:nvGrpSpPr>
+        <p:grpSpPr>
+          <a:xfrm>
+            <a:off x="754547" y="3046129"/>
+            <a:ext cx="3826331" cy="2592672"/>
+            <a:chOff x="754547" y="3046129"/>
+            <a:chExt cx="3826331" cy="2592672"/>
+          </a:xfrm>
+        </p:grpSpPr>
+        <p:cxnSp>
+          <p:nvCxnSpPr>
+            <p:cNvPr id="19" name="Straight Arrow Connector 18">
+              <a:extLst>
+                <a:ext uri="{FF2B5EF4-FFF2-40B4-BE49-F238E27FC236}">
+                  <a16:creationId xmlns:a16="http://schemas.microsoft.com/office/drawing/2014/main" id="{EADFAFA0-5B18-C646-B157-D949929DC616}"/>
+                </a:ext>
+              </a:extLst>
+            </p:cNvPr>
+            <p:cNvCxnSpPr>
+              <a:cxnSpLocks/>
+            </p:cNvCxnSpPr>
+            <p:nvPr/>
+          </p:nvCxnSpPr>
+          <p:spPr>
+            <a:xfrm flipH="1">
+              <a:off x="2898072" y="4470787"/>
+              <a:ext cx="593570" cy="0"/>
+            </a:xfrm>
+            <a:prstGeom prst="straightConnector1">
+              <a:avLst/>
+            </a:prstGeom>
+            <a:ln w="28575">
+              <a:solidFill>
+                <a:srgbClr val="494949"/>
+              </a:solidFill>
+              <a:tailEnd type="triangle"/>
+            </a:ln>
+          </p:spPr>
+          <p:style>
+            <a:lnRef idx="1">
+              <a:schemeClr val="accent1"/>
+            </a:lnRef>
+            <a:fillRef idx="0">
+              <a:schemeClr val="accent1"/>
+            </a:fillRef>
+            <a:effectRef idx="0">
+              <a:schemeClr val="accent1"/>
+            </a:effectRef>
+            <a:fontRef idx="minor">
+              <a:schemeClr val="tx1"/>
+            </a:fontRef>
+          </p:style>
+        </p:cxnSp>
+        <p:sp>
+          <p:nvSpPr>
+            <p:cNvPr id="25" name="Oval 24">
+              <a:extLst>
+                <a:ext uri="{FF2B5EF4-FFF2-40B4-BE49-F238E27FC236}">
+                  <a16:creationId xmlns:a16="http://schemas.microsoft.com/office/drawing/2014/main" id="{5C2A98FE-003E-DD48-AEB0-A6E805F47195}"/>
+                </a:ext>
+              </a:extLst>
+            </p:cNvPr>
+            <p:cNvSpPr/>
+            <p:nvPr/>
+          </p:nvSpPr>
+          <p:spPr>
+            <a:xfrm>
+              <a:off x="3074180" y="4352522"/>
+              <a:ext cx="220484" cy="220484"/>
+            </a:xfrm>
+            <a:prstGeom prst="ellipse">
+              <a:avLst/>
+            </a:prstGeom>
+            <a:solidFill>
+              <a:schemeClr val="bg1"/>
+            </a:solidFill>
+            <a:ln w="28575">
+              <a:noFill/>
+            </a:ln>
+          </p:spPr>
+          <p:style>
+            <a:lnRef idx="2">
+              <a:schemeClr val="accent1">
+                <a:shade val="50000"/>
+              </a:schemeClr>
+            </a:lnRef>
+            <a:fillRef idx="1">
+              <a:schemeClr val="accent1"/>
+            </a:fillRef>
+            <a:effectRef idx="0">
+              <a:schemeClr val="accent1"/>
+            </a:effectRef>
+            <a:fontRef idx="minor">
+              <a:schemeClr val="lt1"/>
+            </a:fontRef>
+          </p:style>
+          <p:txBody>
+            <a:bodyPr rtlCol="0" anchor="ctr"/>
+            <a:lstStyle/>
+            <a:p>
+              <a:pPr algn="ctr"/>
+              <a:endParaRPr lang="en-US"/>
+            </a:p>
+          </p:txBody>
+        </p:sp>
+        <p:sp>
+          <p:nvSpPr>
+            <p:cNvPr id="5" name="TextBox 4">
+              <a:extLst>
+                <a:ext uri="{FF2B5EF4-FFF2-40B4-BE49-F238E27FC236}">
+                  <a16:creationId xmlns:a16="http://schemas.microsoft.com/office/drawing/2014/main" id="{4E0CC43E-8ABE-A441-9579-4740FA06A3B4}"/>
+                </a:ext>
+              </a:extLst>
+            </p:cNvPr>
+            <p:cNvSpPr txBox="1"/>
+            <p:nvPr/>
+          </p:nvSpPr>
+          <p:spPr>
+            <a:xfrm>
+              <a:off x="1203378" y="3279518"/>
+              <a:ext cx="1456424" cy="369332"/>
+            </a:xfrm>
+            <a:prstGeom prst="rect">
+              <a:avLst/>
+            </a:prstGeom>
+            <a:solidFill>
+              <a:schemeClr val="accent6">
+                <a:lumMod val="60000"/>
+                <a:lumOff val="40000"/>
+              </a:schemeClr>
+            </a:solidFill>
+          </p:spPr>
+          <p:txBody>
+            <a:bodyPr wrap="none" rtlCol="0">
+              <a:spAutoFit/>
+            </a:bodyPr>
+            <a:lstStyle/>
+            <a:p>
+              <a:r>
+                <a:rPr lang="en-US" dirty="0" err="1"/>
+                <a:t>prepcompute</a:t>
+              </a:r>
+              <a:endParaRPr lang="en-US" dirty="0"/>
+            </a:p>
+          </p:txBody>
+        </p:sp>
+        <p:sp>
+          <p:nvSpPr>
+            <p:cNvPr id="6" name="TextBox 5">
+              <a:extLst>
+                <a:ext uri="{FF2B5EF4-FFF2-40B4-BE49-F238E27FC236}">
+                  <a16:creationId xmlns:a16="http://schemas.microsoft.com/office/drawing/2014/main" id="{119E30E6-CD10-A744-BD88-7E52CD6B68D1}"/>
+                </a:ext>
+              </a:extLst>
+            </p:cNvPr>
+            <p:cNvSpPr txBox="1"/>
+            <p:nvPr/>
+          </p:nvSpPr>
+          <p:spPr>
+            <a:xfrm>
+              <a:off x="3491642" y="4204743"/>
+              <a:ext cx="931986" cy="369332"/>
+            </a:xfrm>
+            <a:prstGeom prst="rect">
+              <a:avLst/>
+            </a:prstGeom>
+            <a:solidFill>
+              <a:schemeClr val="accent5">
+                <a:lumMod val="60000"/>
+                <a:lumOff val="40000"/>
+              </a:schemeClr>
+            </a:solidFill>
+          </p:spPr>
+          <p:txBody>
+            <a:bodyPr wrap="none" rtlCol="0">
+              <a:spAutoFit/>
+            </a:bodyPr>
+            <a:lstStyle/>
+            <a:p>
+              <a:r>
+                <a:rPr lang="en-US" dirty="0"/>
+                <a:t>observe</a:t>
+              </a:r>
+            </a:p>
+          </p:txBody>
+        </p:sp>
+        <p:sp>
+          <p:nvSpPr>
+            <p:cNvPr id="7" name="TextBox 6">
+              <a:extLst>
+                <a:ext uri="{FF2B5EF4-FFF2-40B4-BE49-F238E27FC236}">
+                  <a16:creationId xmlns:a16="http://schemas.microsoft.com/office/drawing/2014/main" id="{413961B5-5A92-A742-884F-778CD989554F}"/>
+                </a:ext>
+              </a:extLst>
+            </p:cNvPr>
+            <p:cNvSpPr txBox="1"/>
+            <p:nvPr/>
+          </p:nvSpPr>
+          <p:spPr>
+            <a:xfrm>
+              <a:off x="965107" y="4204743"/>
+              <a:ext cx="1932965" cy="369332"/>
+            </a:xfrm>
+            <a:prstGeom prst="rect">
+              <a:avLst/>
+            </a:prstGeom>
+            <a:solidFill>
+              <a:schemeClr val="accent4">
+                <a:lumMod val="40000"/>
+                <a:lumOff val="60000"/>
+              </a:schemeClr>
+            </a:solidFill>
+          </p:spPr>
+          <p:txBody>
+            <a:bodyPr wrap="none" rtlCol="0">
+              <a:spAutoFit/>
+            </a:bodyPr>
+            <a:lstStyle/>
+            <a:p>
+              <a:r>
+                <a:rPr lang="en-US" dirty="0"/>
+                <a:t>compute (SBATCH)</a:t>
+              </a:r>
+            </a:p>
+          </p:txBody>
+        </p:sp>
+        <p:sp>
+          <p:nvSpPr>
+            <p:cNvPr id="8" name="TextBox 7">
+              <a:extLst>
+                <a:ext uri="{FF2B5EF4-FFF2-40B4-BE49-F238E27FC236}">
+                  <a16:creationId xmlns:a16="http://schemas.microsoft.com/office/drawing/2014/main" id="{D4730454-74BE-414D-907A-72C70D345173}"/>
+                </a:ext>
+              </a:extLst>
+            </p:cNvPr>
+            <p:cNvSpPr txBox="1"/>
+            <p:nvPr/>
+          </p:nvSpPr>
+          <p:spPr>
+            <a:xfrm>
+              <a:off x="1661322" y="5129968"/>
+              <a:ext cx="540533" cy="369332"/>
+            </a:xfrm>
+            <a:prstGeom prst="rect">
+              <a:avLst/>
+            </a:prstGeom>
+            <a:solidFill>
+              <a:schemeClr val="accent2">
+                <a:lumMod val="60000"/>
+                <a:lumOff val="40000"/>
+              </a:schemeClr>
+            </a:solidFill>
+          </p:spPr>
+          <p:txBody>
+            <a:bodyPr wrap="none" rtlCol="0">
+              <a:spAutoFit/>
+            </a:bodyPr>
+            <a:lstStyle/>
+            <a:p>
+              <a:r>
+                <a:rPr lang="en-US" dirty="0"/>
+                <a:t>tidy</a:t>
+              </a:r>
+            </a:p>
+          </p:txBody>
+        </p:sp>
+        <p:cxnSp>
+          <p:nvCxnSpPr>
+            <p:cNvPr id="12" name="Straight Arrow Connector 11">
+              <a:extLst>
+                <a:ext uri="{FF2B5EF4-FFF2-40B4-BE49-F238E27FC236}">
+                  <a16:creationId xmlns:a16="http://schemas.microsoft.com/office/drawing/2014/main" id="{99F7A859-2157-4E4C-A9B0-EC1E5ECFEECE}"/>
+                </a:ext>
+              </a:extLst>
+            </p:cNvPr>
+            <p:cNvCxnSpPr>
+              <a:cxnSpLocks/>
+            </p:cNvCxnSpPr>
+            <p:nvPr/>
+          </p:nvCxnSpPr>
+          <p:spPr>
+            <a:xfrm>
+              <a:off x="1913832" y="3648850"/>
+              <a:ext cx="0" cy="555893"/>
+            </a:xfrm>
+            <a:prstGeom prst="straightConnector1">
+              <a:avLst/>
+            </a:prstGeom>
+            <a:ln w="28575">
+              <a:solidFill>
+                <a:srgbClr val="494949"/>
+              </a:solidFill>
+              <a:tailEnd type="triangle"/>
+            </a:ln>
+          </p:spPr>
+          <p:style>
+            <a:lnRef idx="1">
+              <a:schemeClr val="accent1"/>
+            </a:lnRef>
+            <a:fillRef idx="0">
+              <a:schemeClr val="accent1"/>
+            </a:fillRef>
+            <a:effectRef idx="0">
+              <a:schemeClr val="accent1"/>
+            </a:effectRef>
+            <a:fontRef idx="minor">
+              <a:schemeClr val="tx1"/>
+            </a:fontRef>
+          </p:style>
+        </p:cxnSp>
+        <p:cxnSp>
+          <p:nvCxnSpPr>
+            <p:cNvPr id="15" name="Straight Arrow Connector 14">
+              <a:extLst>
+                <a:ext uri="{FF2B5EF4-FFF2-40B4-BE49-F238E27FC236}">
+                  <a16:creationId xmlns:a16="http://schemas.microsoft.com/office/drawing/2014/main" id="{8635ACA5-6E0F-6249-BA42-40A508054501}"/>
+                </a:ext>
+              </a:extLst>
+            </p:cNvPr>
+            <p:cNvCxnSpPr>
+              <a:cxnSpLocks/>
+            </p:cNvCxnSpPr>
+            <p:nvPr/>
+          </p:nvCxnSpPr>
+          <p:spPr>
+            <a:xfrm>
+              <a:off x="2898072" y="4309510"/>
+              <a:ext cx="593570" cy="0"/>
+            </a:xfrm>
+            <a:prstGeom prst="straightConnector1">
+              <a:avLst/>
+            </a:prstGeom>
+            <a:ln w="28575">
+              <a:solidFill>
+                <a:srgbClr val="494949"/>
+              </a:solidFill>
+              <a:tailEnd type="triangle"/>
+            </a:ln>
+          </p:spPr>
+          <p:style>
+            <a:lnRef idx="1">
+              <a:schemeClr val="accent1"/>
+            </a:lnRef>
+            <a:fillRef idx="0">
+              <a:schemeClr val="accent1"/>
+            </a:fillRef>
+            <a:effectRef idx="0">
+              <a:schemeClr val="accent1"/>
+            </a:effectRef>
+            <a:fontRef idx="minor">
+              <a:schemeClr val="tx1"/>
+            </a:fontRef>
+          </p:style>
+        </p:cxnSp>
+        <p:sp>
+          <p:nvSpPr>
+            <p:cNvPr id="22" name="Oval 21">
+              <a:extLst>
+                <a:ext uri="{FF2B5EF4-FFF2-40B4-BE49-F238E27FC236}">
+                  <a16:creationId xmlns:a16="http://schemas.microsoft.com/office/drawing/2014/main" id="{8F1D188C-05BD-FB48-9C20-CACEB0B98D15}"/>
+                </a:ext>
+              </a:extLst>
+            </p:cNvPr>
+            <p:cNvSpPr/>
+            <p:nvPr/>
+          </p:nvSpPr>
+          <p:spPr>
+            <a:xfrm>
+              <a:off x="3114960" y="4392616"/>
+              <a:ext cx="133165" cy="133165"/>
+            </a:xfrm>
+            <a:prstGeom prst="ellipse">
+              <a:avLst/>
+            </a:prstGeom>
+            <a:solidFill>
+              <a:schemeClr val="bg1"/>
+            </a:solidFill>
+            <a:ln w="28575">
+              <a:solidFill>
+                <a:srgbClr val="494949"/>
+              </a:solidFill>
+            </a:ln>
+          </p:spPr>
+          <p:style>
+            <a:lnRef idx="2">
+              <a:schemeClr val="accent1">
+                <a:shade val="50000"/>
+              </a:schemeClr>
+            </a:lnRef>
+            <a:fillRef idx="1">
+              <a:schemeClr val="accent1"/>
+            </a:fillRef>
+            <a:effectRef idx="0">
+              <a:schemeClr val="accent1"/>
+            </a:effectRef>
+            <a:fontRef idx="minor">
+              <a:schemeClr val="lt1"/>
+            </a:fontRef>
+          </p:style>
+          <p:txBody>
+            <a:bodyPr rtlCol="0" anchor="ctr"/>
+            <a:lstStyle/>
+            <a:p>
+              <a:pPr algn="ctr"/>
+              <a:endParaRPr lang="en-US"/>
+            </a:p>
+          </p:txBody>
+        </p:sp>
+        <p:cxnSp>
+          <p:nvCxnSpPr>
+            <p:cNvPr id="24" name="Straight Connector 23">
+              <a:extLst>
+                <a:ext uri="{FF2B5EF4-FFF2-40B4-BE49-F238E27FC236}">
+                  <a16:creationId xmlns:a16="http://schemas.microsoft.com/office/drawing/2014/main" id="{CD5ADA34-F2DF-E949-B7F5-41BFBE5D453A}"/>
+                </a:ext>
+              </a:extLst>
+            </p:cNvPr>
+            <p:cNvCxnSpPr>
+              <a:stCxn id="22" idx="5"/>
+            </p:cNvCxnSpPr>
+            <p:nvPr/>
+          </p:nvCxnSpPr>
+          <p:spPr>
+            <a:xfrm>
+              <a:off x="3228623" y="4506279"/>
+              <a:ext cx="85552" cy="85552"/>
+            </a:xfrm>
+            <a:prstGeom prst="line">
+              <a:avLst/>
+            </a:prstGeom>
+            <a:ln w="28575">
+              <a:solidFill>
+                <a:srgbClr val="494949"/>
+              </a:solidFill>
+            </a:ln>
+          </p:spPr>
+          <p:style>
+            <a:lnRef idx="1">
+              <a:schemeClr val="accent1"/>
+            </a:lnRef>
+            <a:fillRef idx="0">
+              <a:schemeClr val="accent1"/>
+            </a:fillRef>
+            <a:effectRef idx="0">
+              <a:schemeClr val="accent1"/>
+            </a:effectRef>
+            <a:fontRef idx="minor">
+              <a:schemeClr val="tx1"/>
+            </a:fontRef>
+          </p:style>
+        </p:cxnSp>
+        <p:cxnSp>
+          <p:nvCxnSpPr>
+            <p:cNvPr id="26" name="Straight Arrow Connector 25">
+              <a:extLst>
+                <a:ext uri="{FF2B5EF4-FFF2-40B4-BE49-F238E27FC236}">
+                  <a16:creationId xmlns:a16="http://schemas.microsoft.com/office/drawing/2014/main" id="{098DFBE4-EE23-9E41-918E-44259C71D993}"/>
+                </a:ext>
+              </a:extLst>
+            </p:cNvPr>
+            <p:cNvCxnSpPr>
+              <a:cxnSpLocks/>
+              <a:endCxn id="8" idx="3"/>
+            </p:cNvCxnSpPr>
+            <p:nvPr/>
+          </p:nvCxnSpPr>
+          <p:spPr>
+            <a:xfrm flipH="1">
+              <a:off x="2201855" y="4573006"/>
+              <a:ext cx="1746444" cy="741628"/>
+            </a:xfrm>
+            <a:prstGeom prst="straightConnector1">
+              <a:avLst/>
+            </a:prstGeom>
+            <a:ln w="28575">
+              <a:solidFill>
+                <a:srgbClr val="494949"/>
+              </a:solidFill>
+              <a:tailEnd type="triangle"/>
+            </a:ln>
+          </p:spPr>
+          <p:style>
+            <a:lnRef idx="1">
+              <a:schemeClr val="accent1"/>
+            </a:lnRef>
+            <a:fillRef idx="0">
+              <a:schemeClr val="accent1"/>
+            </a:fillRef>
+            <a:effectRef idx="0">
+              <a:schemeClr val="accent1"/>
+            </a:effectRef>
+            <a:fontRef idx="minor">
+              <a:schemeClr val="tx1"/>
+            </a:fontRef>
+          </p:style>
+        </p:cxnSp>
+        <p:sp>
+          <p:nvSpPr>
+            <p:cNvPr id="28" name="Rectangle 27">
+              <a:extLst>
+                <a:ext uri="{FF2B5EF4-FFF2-40B4-BE49-F238E27FC236}">
+                  <a16:creationId xmlns:a16="http://schemas.microsoft.com/office/drawing/2014/main" id="{5B1C474A-F789-4041-8EB1-66302C7C0D30}"/>
+                </a:ext>
+              </a:extLst>
+            </p:cNvPr>
+            <p:cNvSpPr/>
+            <p:nvPr/>
+          </p:nvSpPr>
+          <p:spPr>
+            <a:xfrm>
+              <a:off x="754547" y="3046129"/>
+              <a:ext cx="3826331" cy="2592672"/>
+            </a:xfrm>
+            <a:prstGeom prst="rect">
+              <a:avLst/>
+            </a:prstGeom>
+            <a:noFill/>
+            <a:ln w="28575">
+              <a:solidFill>
+                <a:srgbClr val="494949"/>
+              </a:solidFill>
+              <a:prstDash val="dash"/>
+            </a:ln>
+          </p:spPr>
+          <p:style>
+            <a:lnRef idx="2">
+              <a:schemeClr val="accent1">
+                <a:shade val="50000"/>
+              </a:schemeClr>
+            </a:lnRef>
+            <a:fillRef idx="1">
+              <a:schemeClr val="accent1"/>
+            </a:fillRef>
+            <a:effectRef idx="0">
+              <a:schemeClr val="accent1"/>
+            </a:effectRef>
+            <a:fontRef idx="minor">
+              <a:schemeClr val="lt1"/>
+            </a:fontRef>
+          </p:style>
+          <p:txBody>
+            <a:bodyPr rtlCol="0" anchor="ctr"/>
+            <a:lstStyle/>
+            <a:p>
+              <a:pPr algn="ctr"/>
+              <a:endParaRPr lang="en-US"/>
+            </a:p>
+          </p:txBody>
+        </p:sp>
+      </p:grpSp>
+      <p:grpSp>
+        <p:nvGrpSpPr>
+          <p:cNvPr id="30" name="Group 29">
+            <a:extLst>
+              <a:ext uri="{FF2B5EF4-FFF2-40B4-BE49-F238E27FC236}">
+                <a16:creationId xmlns:a16="http://schemas.microsoft.com/office/drawing/2014/main" id="{805AC4E3-4E21-664E-995B-858F69D1C71C}"/>
+              </a:ext>
+            </a:extLst>
+          </p:cNvPr>
+          <p:cNvGrpSpPr/>
+          <p:nvPr/>
+        </p:nvGrpSpPr>
+        <p:grpSpPr>
+          <a:xfrm>
+            <a:off x="746636" y="5800077"/>
+            <a:ext cx="3826331" cy="2592672"/>
+            <a:chOff x="754547" y="3046129"/>
+            <a:chExt cx="3826331" cy="2592672"/>
+          </a:xfrm>
+        </p:grpSpPr>
+        <p:cxnSp>
+          <p:nvCxnSpPr>
+            <p:cNvPr id="31" name="Straight Arrow Connector 30">
+              <a:extLst>
+                <a:ext uri="{FF2B5EF4-FFF2-40B4-BE49-F238E27FC236}">
+                  <a16:creationId xmlns:a16="http://schemas.microsoft.com/office/drawing/2014/main" id="{3937B1B7-8FB1-1F4B-B342-F5B448C01BBF}"/>
+                </a:ext>
+              </a:extLst>
+            </p:cNvPr>
+            <p:cNvCxnSpPr>
+              <a:cxnSpLocks/>
+            </p:cNvCxnSpPr>
+            <p:nvPr/>
+          </p:nvCxnSpPr>
+          <p:spPr>
+            <a:xfrm flipH="1">
+              <a:off x="2898072" y="4470787"/>
+              <a:ext cx="593570" cy="0"/>
+            </a:xfrm>
+            <a:prstGeom prst="straightConnector1">
+              <a:avLst/>
+            </a:prstGeom>
+            <a:ln w="28575">
+              <a:solidFill>
+                <a:srgbClr val="494949"/>
+              </a:solidFill>
+              <a:tailEnd type="triangle"/>
+            </a:ln>
+          </p:spPr>
+          <p:style>
+            <a:lnRef idx="1">
+              <a:schemeClr val="accent1"/>
+            </a:lnRef>
+            <a:fillRef idx="0">
+              <a:schemeClr val="accent1"/>
+            </a:fillRef>
+            <a:effectRef idx="0">
+              <a:schemeClr val="accent1"/>
+            </a:effectRef>
+            <a:fontRef idx="minor">
+              <a:schemeClr val="tx1"/>
+            </a:fontRef>
+          </p:style>
+        </p:cxnSp>
+        <p:sp>
+          <p:nvSpPr>
+            <p:cNvPr id="32" name="Oval 31">
+              <a:extLst>
+                <a:ext uri="{FF2B5EF4-FFF2-40B4-BE49-F238E27FC236}">
+                  <a16:creationId xmlns:a16="http://schemas.microsoft.com/office/drawing/2014/main" id="{9666DFDF-0061-5149-A962-A5EB64B6A2F5}"/>
+                </a:ext>
+              </a:extLst>
+            </p:cNvPr>
+            <p:cNvSpPr/>
+            <p:nvPr/>
+          </p:nvSpPr>
+          <p:spPr>
+            <a:xfrm>
+              <a:off x="3084813" y="4352522"/>
+              <a:ext cx="220484" cy="220484"/>
+            </a:xfrm>
+            <a:prstGeom prst="ellipse">
+              <a:avLst/>
+            </a:prstGeom>
+            <a:solidFill>
+              <a:schemeClr val="bg1"/>
+            </a:solidFill>
+            <a:ln w="28575">
+              <a:noFill/>
+            </a:ln>
+          </p:spPr>
+          <p:style>
+            <a:lnRef idx="2">
+              <a:schemeClr val="accent1">
+                <a:shade val="50000"/>
+              </a:schemeClr>
+            </a:lnRef>
+            <a:fillRef idx="1">
+              <a:schemeClr val="accent1"/>
+            </a:fillRef>
+            <a:effectRef idx="0">
+              <a:schemeClr val="accent1"/>
+            </a:effectRef>
+            <a:fontRef idx="minor">
+              <a:schemeClr val="lt1"/>
+            </a:fontRef>
+          </p:style>
+          <p:txBody>
+            <a:bodyPr rtlCol="0" anchor="ctr"/>
+            <a:lstStyle/>
+            <a:p>
+              <a:pPr algn="ctr"/>
+              <a:endParaRPr lang="en-US"/>
+            </a:p>
+          </p:txBody>
+        </p:sp>
+        <p:sp>
+          <p:nvSpPr>
+            <p:cNvPr id="33" name="TextBox 32">
+              <a:extLst>
+                <a:ext uri="{FF2B5EF4-FFF2-40B4-BE49-F238E27FC236}">
+                  <a16:creationId xmlns:a16="http://schemas.microsoft.com/office/drawing/2014/main" id="{281194B0-64CD-2946-9819-F25DFC99196B}"/>
+                </a:ext>
+              </a:extLst>
+            </p:cNvPr>
+            <p:cNvSpPr txBox="1"/>
+            <p:nvPr/>
+          </p:nvSpPr>
+          <p:spPr>
+            <a:xfrm>
+              <a:off x="1203378" y="3279518"/>
+              <a:ext cx="1456424" cy="369332"/>
+            </a:xfrm>
+            <a:prstGeom prst="rect">
+              <a:avLst/>
+            </a:prstGeom>
+            <a:solidFill>
+              <a:schemeClr val="accent6">
+                <a:lumMod val="60000"/>
+                <a:lumOff val="40000"/>
+              </a:schemeClr>
+            </a:solidFill>
+          </p:spPr>
+          <p:txBody>
+            <a:bodyPr wrap="none" rtlCol="0">
+              <a:spAutoFit/>
+            </a:bodyPr>
+            <a:lstStyle/>
+            <a:p>
+              <a:r>
+                <a:rPr lang="en-US" dirty="0" err="1"/>
+                <a:t>prepcompute</a:t>
+              </a:r>
+              <a:endParaRPr lang="en-US" dirty="0"/>
+            </a:p>
+          </p:txBody>
+        </p:sp>
+        <p:sp>
+          <p:nvSpPr>
+            <p:cNvPr id="34" name="TextBox 33">
+              <a:extLst>
+                <a:ext uri="{FF2B5EF4-FFF2-40B4-BE49-F238E27FC236}">
+                  <a16:creationId xmlns:a16="http://schemas.microsoft.com/office/drawing/2014/main" id="{B4D4E2A1-05A8-A541-BF33-A8E981F1447D}"/>
+                </a:ext>
+              </a:extLst>
+            </p:cNvPr>
+            <p:cNvSpPr txBox="1"/>
+            <p:nvPr/>
+          </p:nvSpPr>
+          <p:spPr>
+            <a:xfrm>
+              <a:off x="3491642" y="4204743"/>
+              <a:ext cx="931986" cy="369332"/>
+            </a:xfrm>
+            <a:prstGeom prst="rect">
+              <a:avLst/>
+            </a:prstGeom>
+            <a:solidFill>
+              <a:schemeClr val="accent5">
+                <a:lumMod val="60000"/>
+                <a:lumOff val="40000"/>
+              </a:schemeClr>
+            </a:solidFill>
+          </p:spPr>
+          <p:txBody>
+            <a:bodyPr wrap="none" rtlCol="0">
+              <a:spAutoFit/>
+            </a:bodyPr>
+            <a:lstStyle/>
+            <a:p>
+              <a:r>
+                <a:rPr lang="en-US" dirty="0"/>
+                <a:t>observe</a:t>
+              </a:r>
+            </a:p>
+          </p:txBody>
+        </p:sp>
+        <p:sp>
+          <p:nvSpPr>
+            <p:cNvPr id="35" name="TextBox 34">
+              <a:extLst>
+                <a:ext uri="{FF2B5EF4-FFF2-40B4-BE49-F238E27FC236}">
+                  <a16:creationId xmlns:a16="http://schemas.microsoft.com/office/drawing/2014/main" id="{1148F01B-A0FD-BC43-A40D-C654ABE3BF4B}"/>
+                </a:ext>
+              </a:extLst>
+            </p:cNvPr>
+            <p:cNvSpPr txBox="1"/>
+            <p:nvPr/>
+          </p:nvSpPr>
+          <p:spPr>
+            <a:xfrm>
+              <a:off x="965107" y="4204743"/>
+              <a:ext cx="1932965" cy="369332"/>
+            </a:xfrm>
+            <a:prstGeom prst="rect">
+              <a:avLst/>
+            </a:prstGeom>
+            <a:solidFill>
+              <a:schemeClr val="accent4">
+                <a:lumMod val="40000"/>
+                <a:lumOff val="60000"/>
+              </a:schemeClr>
+            </a:solidFill>
+          </p:spPr>
+          <p:txBody>
+            <a:bodyPr wrap="none" rtlCol="0">
+              <a:spAutoFit/>
+            </a:bodyPr>
+            <a:lstStyle/>
+            <a:p>
+              <a:r>
+                <a:rPr lang="en-US" dirty="0"/>
+                <a:t>compute (SBATCH)</a:t>
+              </a:r>
+            </a:p>
+          </p:txBody>
+        </p:sp>
+        <p:sp>
+          <p:nvSpPr>
+            <p:cNvPr id="36" name="TextBox 35">
+              <a:extLst>
+                <a:ext uri="{FF2B5EF4-FFF2-40B4-BE49-F238E27FC236}">
+                  <a16:creationId xmlns:a16="http://schemas.microsoft.com/office/drawing/2014/main" id="{9497260F-4639-0B46-A1F0-0725BE8859C2}"/>
+                </a:ext>
+              </a:extLst>
+            </p:cNvPr>
+            <p:cNvSpPr txBox="1"/>
+            <p:nvPr/>
+          </p:nvSpPr>
+          <p:spPr>
+            <a:xfrm>
+              <a:off x="1661322" y="5129968"/>
+              <a:ext cx="540533" cy="369332"/>
+            </a:xfrm>
+            <a:prstGeom prst="rect">
+              <a:avLst/>
+            </a:prstGeom>
+            <a:solidFill>
+              <a:schemeClr val="accent2">
+                <a:lumMod val="60000"/>
+                <a:lumOff val="40000"/>
+              </a:schemeClr>
+            </a:solidFill>
+          </p:spPr>
+          <p:txBody>
+            <a:bodyPr wrap="none" rtlCol="0">
+              <a:spAutoFit/>
+            </a:bodyPr>
+            <a:lstStyle/>
+            <a:p>
+              <a:r>
+                <a:rPr lang="en-US" dirty="0"/>
+                <a:t>tidy</a:t>
+              </a:r>
+            </a:p>
+          </p:txBody>
+        </p:sp>
+        <p:cxnSp>
+          <p:nvCxnSpPr>
+            <p:cNvPr id="37" name="Straight Arrow Connector 36">
+              <a:extLst>
+                <a:ext uri="{FF2B5EF4-FFF2-40B4-BE49-F238E27FC236}">
+                  <a16:creationId xmlns:a16="http://schemas.microsoft.com/office/drawing/2014/main" id="{A5556310-1991-AB44-B5BD-E9C9BF709001}"/>
+                </a:ext>
+              </a:extLst>
+            </p:cNvPr>
+            <p:cNvCxnSpPr>
+              <a:cxnSpLocks/>
+            </p:cNvCxnSpPr>
+            <p:nvPr/>
+          </p:nvCxnSpPr>
+          <p:spPr>
+            <a:xfrm>
+              <a:off x="1913832" y="3648850"/>
+              <a:ext cx="0" cy="555893"/>
+            </a:xfrm>
+            <a:prstGeom prst="straightConnector1">
+              <a:avLst/>
+            </a:prstGeom>
+            <a:ln w="28575">
+              <a:solidFill>
+                <a:srgbClr val="494949"/>
+              </a:solidFill>
+              <a:tailEnd type="triangle"/>
+            </a:ln>
+          </p:spPr>
+          <p:style>
+            <a:lnRef idx="1">
+              <a:schemeClr val="accent1"/>
+            </a:lnRef>
+            <a:fillRef idx="0">
+              <a:schemeClr val="accent1"/>
+            </a:fillRef>
+            <a:effectRef idx="0">
+              <a:schemeClr val="accent1"/>
+            </a:effectRef>
+            <a:fontRef idx="minor">
+              <a:schemeClr val="tx1"/>
+            </a:fontRef>
+          </p:style>
+        </p:cxnSp>
+        <p:cxnSp>
+          <p:nvCxnSpPr>
+            <p:cNvPr id="38" name="Straight Arrow Connector 37">
+              <a:extLst>
+                <a:ext uri="{FF2B5EF4-FFF2-40B4-BE49-F238E27FC236}">
+                  <a16:creationId xmlns:a16="http://schemas.microsoft.com/office/drawing/2014/main" id="{FD2BA10A-76D3-A247-82B2-2115F9CED269}"/>
+                </a:ext>
+              </a:extLst>
+            </p:cNvPr>
+            <p:cNvCxnSpPr>
+              <a:cxnSpLocks/>
+            </p:cNvCxnSpPr>
+            <p:nvPr/>
+          </p:nvCxnSpPr>
+          <p:spPr>
+            <a:xfrm>
+              <a:off x="2898072" y="4309510"/>
+              <a:ext cx="593570" cy="0"/>
+            </a:xfrm>
+            <a:prstGeom prst="straightConnector1">
+              <a:avLst/>
+            </a:prstGeom>
+            <a:ln w="28575">
+              <a:solidFill>
+                <a:srgbClr val="494949"/>
+              </a:solidFill>
+              <a:tailEnd type="triangle"/>
+            </a:ln>
+          </p:spPr>
+          <p:style>
+            <a:lnRef idx="1">
+              <a:schemeClr val="accent1"/>
+            </a:lnRef>
+            <a:fillRef idx="0">
+              <a:schemeClr val="accent1"/>
+            </a:fillRef>
+            <a:effectRef idx="0">
+              <a:schemeClr val="accent1"/>
+            </a:effectRef>
+            <a:fontRef idx="minor">
+              <a:schemeClr val="tx1"/>
+            </a:fontRef>
+          </p:style>
+        </p:cxnSp>
+        <p:sp>
+          <p:nvSpPr>
+            <p:cNvPr id="39" name="Oval 38">
+              <a:extLst>
+                <a:ext uri="{FF2B5EF4-FFF2-40B4-BE49-F238E27FC236}">
+                  <a16:creationId xmlns:a16="http://schemas.microsoft.com/office/drawing/2014/main" id="{AA918B00-FA0E-6D4D-8588-583F05EAC12F}"/>
+                </a:ext>
+              </a:extLst>
+            </p:cNvPr>
+            <p:cNvSpPr/>
+            <p:nvPr/>
+          </p:nvSpPr>
+          <p:spPr>
+            <a:xfrm>
+              <a:off x="3114960" y="4392616"/>
+              <a:ext cx="133165" cy="133165"/>
+            </a:xfrm>
+            <a:prstGeom prst="ellipse">
+              <a:avLst/>
+            </a:prstGeom>
+            <a:solidFill>
+              <a:schemeClr val="bg1"/>
+            </a:solidFill>
+            <a:ln w="28575">
+              <a:solidFill>
+                <a:srgbClr val="494949"/>
+              </a:solidFill>
+            </a:ln>
+          </p:spPr>
+          <p:style>
+            <a:lnRef idx="2">
+              <a:schemeClr val="accent1">
+                <a:shade val="50000"/>
+              </a:schemeClr>
+            </a:lnRef>
+            <a:fillRef idx="1">
+              <a:schemeClr val="accent1"/>
+            </a:fillRef>
+            <a:effectRef idx="0">
+              <a:schemeClr val="accent1"/>
+            </a:effectRef>
+            <a:fontRef idx="minor">
+              <a:schemeClr val="lt1"/>
+            </a:fontRef>
+          </p:style>
+          <p:txBody>
+            <a:bodyPr rtlCol="0" anchor="ctr"/>
+            <a:lstStyle/>
+            <a:p>
+              <a:pPr algn="ctr"/>
+              <a:endParaRPr lang="en-US"/>
+            </a:p>
+          </p:txBody>
+        </p:sp>
+        <p:cxnSp>
+          <p:nvCxnSpPr>
+            <p:cNvPr id="40" name="Straight Connector 39">
+              <a:extLst>
+                <a:ext uri="{FF2B5EF4-FFF2-40B4-BE49-F238E27FC236}">
+                  <a16:creationId xmlns:a16="http://schemas.microsoft.com/office/drawing/2014/main" id="{DED0851E-E8D0-F04B-9D9A-DA1776993E02}"/>
+                </a:ext>
+              </a:extLst>
+            </p:cNvPr>
+            <p:cNvCxnSpPr>
+              <a:stCxn id="39" idx="5"/>
+            </p:cNvCxnSpPr>
+            <p:nvPr/>
+          </p:nvCxnSpPr>
+          <p:spPr>
+            <a:xfrm>
+              <a:off x="3228623" y="4506279"/>
+              <a:ext cx="85552" cy="85552"/>
+            </a:xfrm>
+            <a:prstGeom prst="line">
+              <a:avLst/>
+            </a:prstGeom>
+            <a:ln w="28575">
+              <a:solidFill>
+                <a:srgbClr val="494949"/>
+              </a:solidFill>
+            </a:ln>
+          </p:spPr>
+          <p:style>
+            <a:lnRef idx="1">
+              <a:schemeClr val="accent1"/>
+            </a:lnRef>
+            <a:fillRef idx="0">
+              <a:schemeClr val="accent1"/>
+            </a:fillRef>
+            <a:effectRef idx="0">
+              <a:schemeClr val="accent1"/>
+            </a:effectRef>
+            <a:fontRef idx="minor">
+              <a:schemeClr val="tx1"/>
+            </a:fontRef>
+          </p:style>
+        </p:cxnSp>
+        <p:cxnSp>
+          <p:nvCxnSpPr>
+            <p:cNvPr id="41" name="Straight Arrow Connector 40">
+              <a:extLst>
+                <a:ext uri="{FF2B5EF4-FFF2-40B4-BE49-F238E27FC236}">
+                  <a16:creationId xmlns:a16="http://schemas.microsoft.com/office/drawing/2014/main" id="{3583FAB8-C362-3843-A298-E5CEB755B5A3}"/>
+                </a:ext>
+              </a:extLst>
+            </p:cNvPr>
+            <p:cNvCxnSpPr>
+              <a:cxnSpLocks/>
+              <a:endCxn id="36" idx="3"/>
+            </p:cNvCxnSpPr>
+            <p:nvPr/>
+          </p:nvCxnSpPr>
+          <p:spPr>
+            <a:xfrm flipH="1">
+              <a:off x="2201855" y="4573006"/>
+              <a:ext cx="1746444" cy="741628"/>
+            </a:xfrm>
+            <a:prstGeom prst="straightConnector1">
+              <a:avLst/>
+            </a:prstGeom>
+            <a:ln w="28575">
+              <a:solidFill>
+                <a:srgbClr val="494949"/>
+              </a:solidFill>
+              <a:tailEnd type="triangle"/>
+            </a:ln>
+          </p:spPr>
+          <p:style>
+            <a:lnRef idx="1">
+              <a:schemeClr val="accent1"/>
+            </a:lnRef>
+            <a:fillRef idx="0">
+              <a:schemeClr val="accent1"/>
+            </a:fillRef>
+            <a:effectRef idx="0">
+              <a:schemeClr val="accent1"/>
+            </a:effectRef>
+            <a:fontRef idx="minor">
+              <a:schemeClr val="tx1"/>
+            </a:fontRef>
+          </p:style>
+        </p:cxnSp>
+        <p:sp>
+          <p:nvSpPr>
+            <p:cNvPr id="42" name="Rectangle 41">
+              <a:extLst>
+                <a:ext uri="{FF2B5EF4-FFF2-40B4-BE49-F238E27FC236}">
+                  <a16:creationId xmlns:a16="http://schemas.microsoft.com/office/drawing/2014/main" id="{BFA34B6A-DFB7-8A44-BA39-57A5DC1AAD10}"/>
+                </a:ext>
+              </a:extLst>
+            </p:cNvPr>
+            <p:cNvSpPr/>
+            <p:nvPr/>
+          </p:nvSpPr>
+          <p:spPr>
+            <a:xfrm>
+              <a:off x="754547" y="3046129"/>
+              <a:ext cx="3826331" cy="2592672"/>
+            </a:xfrm>
+            <a:prstGeom prst="rect">
+              <a:avLst/>
+            </a:prstGeom>
+            <a:noFill/>
+            <a:ln w="28575">
+              <a:solidFill>
+                <a:srgbClr val="494949"/>
+              </a:solidFill>
+              <a:prstDash val="dash"/>
+            </a:ln>
+          </p:spPr>
+          <p:style>
+            <a:lnRef idx="2">
+              <a:schemeClr val="accent1">
+                <a:shade val="50000"/>
+              </a:schemeClr>
+            </a:lnRef>
+            <a:fillRef idx="1">
+              <a:schemeClr val="accent1"/>
+            </a:fillRef>
+            <a:effectRef idx="0">
+              <a:schemeClr val="accent1"/>
+            </a:effectRef>
+            <a:fontRef idx="minor">
+              <a:schemeClr val="lt1"/>
+            </a:fontRef>
+          </p:style>
+          <p:txBody>
+            <a:bodyPr rtlCol="0" anchor="ctr"/>
+            <a:lstStyle/>
+            <a:p>
+              <a:pPr algn="ctr"/>
+              <a:endParaRPr lang="en-US"/>
+            </a:p>
+          </p:txBody>
+        </p:sp>
+      </p:grpSp>
+      <p:cxnSp>
+        <p:nvCxnSpPr>
+          <p:cNvPr id="43" name="Straight Arrow Connector 42">
+            <a:extLst>
+              <a:ext uri="{FF2B5EF4-FFF2-40B4-BE49-F238E27FC236}">
+                <a16:creationId xmlns:a16="http://schemas.microsoft.com/office/drawing/2014/main" id="{71D6ED22-46DA-034E-96C5-F141C63A3677}"/>
+              </a:ext>
+            </a:extLst>
+          </p:cNvPr>
+          <p:cNvCxnSpPr>
+            <a:cxnSpLocks/>
+          </p:cNvCxnSpPr>
+          <p:nvPr/>
+        </p:nvCxnSpPr>
+        <p:spPr>
+          <a:xfrm>
+            <a:off x="1931588" y="5499300"/>
+            <a:ext cx="0" cy="555893"/>
+          </a:xfrm>
+          <a:prstGeom prst="straightConnector1">
+            <a:avLst/>
+          </a:prstGeom>
+          <a:ln w="28575">
+            <a:solidFill>
+              <a:srgbClr val="494949"/>
+            </a:solidFill>
+            <a:tailEnd type="triangle"/>
+          </a:ln>
+        </p:spPr>
+        <p:style>
+          <a:lnRef idx="1">
+            <a:schemeClr val="accent1"/>
+          </a:lnRef>
+          <a:fillRef idx="0">
+            <a:schemeClr val="accent1"/>
+          </a:fillRef>
+          <a:effectRef idx="0">
+            <a:schemeClr val="accent1"/>
+          </a:effectRef>
+          <a:fontRef idx="minor">
+            <a:schemeClr val="tx1"/>
+          </a:fontRef>
+        </p:style>
+      </p:cxnSp>
+      <p:grpSp>
+        <p:nvGrpSpPr>
+          <p:cNvPr id="58" name="Group 57">
+            <a:extLst>
+              <a:ext uri="{FF2B5EF4-FFF2-40B4-BE49-F238E27FC236}">
+                <a16:creationId xmlns:a16="http://schemas.microsoft.com/office/drawing/2014/main" id="{58BB67B4-D0B2-1949-A998-B5A8ABEAAEA4}"/>
+              </a:ext>
+            </a:extLst>
+          </p:cNvPr>
+          <p:cNvGrpSpPr/>
+          <p:nvPr/>
+        </p:nvGrpSpPr>
+        <p:grpSpPr>
+          <a:xfrm>
+            <a:off x="4909358" y="5129968"/>
+            <a:ext cx="4072183" cy="947322"/>
+            <a:chOff x="5203208" y="3727615"/>
+            <a:chExt cx="4072183" cy="947322"/>
+          </a:xfrm>
+        </p:grpSpPr>
+        <p:sp>
+          <p:nvSpPr>
+            <p:cNvPr id="4" name="TextBox 3">
+              <a:extLst>
+                <a:ext uri="{FF2B5EF4-FFF2-40B4-BE49-F238E27FC236}">
+                  <a16:creationId xmlns:a16="http://schemas.microsoft.com/office/drawing/2014/main" id="{711AC09B-A44E-D445-B60B-A848DF0D6EC3}"/>
+                </a:ext>
+              </a:extLst>
+            </p:cNvPr>
+            <p:cNvSpPr txBox="1"/>
+            <p:nvPr/>
+          </p:nvSpPr>
+          <p:spPr>
+            <a:xfrm>
+              <a:off x="5203208" y="4299535"/>
+              <a:ext cx="2527414" cy="369332"/>
+            </a:xfrm>
+            <a:prstGeom prst="rect">
+              <a:avLst/>
+            </a:prstGeom>
+            <a:solidFill>
+              <a:srgbClr val="FFC000"/>
+            </a:solidFill>
+          </p:spPr>
+          <p:txBody>
+            <a:bodyPr wrap="square" rtlCol="0">
+              <a:spAutoFit/>
+            </a:bodyPr>
+            <a:lstStyle/>
+            <a:p>
+              <a:r>
+                <a:rPr lang="en-US" dirty="0"/>
+                <a:t>Postprocessing (SBATCH)</a:t>
+              </a:r>
+            </a:p>
+          </p:txBody>
+        </p:sp>
+        <p:sp>
+          <p:nvSpPr>
+            <p:cNvPr id="9" name="TextBox 8">
+              <a:extLst>
+                <a:ext uri="{FF2B5EF4-FFF2-40B4-BE49-F238E27FC236}">
+                  <a16:creationId xmlns:a16="http://schemas.microsoft.com/office/drawing/2014/main" id="{B7245A67-7EC8-084F-83A4-7001DAB56EA4}"/>
+                </a:ext>
+              </a:extLst>
+            </p:cNvPr>
+            <p:cNvSpPr txBox="1"/>
+            <p:nvPr/>
+          </p:nvSpPr>
+          <p:spPr>
+            <a:xfrm>
+              <a:off x="8343405" y="4302278"/>
+              <a:ext cx="931986" cy="369332"/>
+            </a:xfrm>
+            <a:prstGeom prst="rect">
+              <a:avLst/>
+            </a:prstGeom>
+            <a:solidFill>
+              <a:schemeClr val="accent5">
+                <a:lumMod val="60000"/>
+                <a:lumOff val="40000"/>
+              </a:schemeClr>
+            </a:solidFill>
+          </p:spPr>
+          <p:txBody>
+            <a:bodyPr wrap="square" rtlCol="0">
+              <a:spAutoFit/>
+            </a:bodyPr>
+            <a:lstStyle/>
+            <a:p>
+              <a:r>
+                <a:rPr lang="en-US" dirty="0"/>
+                <a:t>observe</a:t>
+              </a:r>
+            </a:p>
+          </p:txBody>
+        </p:sp>
+        <p:sp>
+          <p:nvSpPr>
+            <p:cNvPr id="10" name="TextBox 9">
+              <a:extLst>
+                <a:ext uri="{FF2B5EF4-FFF2-40B4-BE49-F238E27FC236}">
+                  <a16:creationId xmlns:a16="http://schemas.microsoft.com/office/drawing/2014/main" id="{F177DB6C-3EBE-0A4F-A2E8-F3CF89EFCECF}"/>
+                </a:ext>
+              </a:extLst>
+            </p:cNvPr>
+            <p:cNvSpPr txBox="1"/>
+            <p:nvPr/>
+          </p:nvSpPr>
+          <p:spPr>
+            <a:xfrm>
+              <a:off x="5781237" y="3727615"/>
+              <a:ext cx="1456424" cy="369332"/>
+            </a:xfrm>
+            <a:prstGeom prst="rect">
+              <a:avLst/>
+            </a:prstGeom>
+            <a:solidFill>
+              <a:schemeClr val="accent6">
+                <a:lumMod val="60000"/>
+                <a:lumOff val="40000"/>
+              </a:schemeClr>
+            </a:solidFill>
+          </p:spPr>
+          <p:txBody>
+            <a:bodyPr wrap="square" rtlCol="0">
+              <a:spAutoFit/>
+            </a:bodyPr>
+            <a:lstStyle/>
+            <a:p>
+              <a:r>
+                <a:rPr lang="en-US" dirty="0" err="1"/>
+                <a:t>prepcompute</a:t>
+              </a:r>
+              <a:endParaRPr lang="en-US" dirty="0"/>
+            </a:p>
+          </p:txBody>
+        </p:sp>
+        <p:cxnSp>
+          <p:nvCxnSpPr>
+            <p:cNvPr id="44" name="Straight Arrow Connector 43">
+              <a:extLst>
+                <a:ext uri="{FF2B5EF4-FFF2-40B4-BE49-F238E27FC236}">
+                  <a16:creationId xmlns:a16="http://schemas.microsoft.com/office/drawing/2014/main" id="{1BE27BC7-F5E3-0549-8EF3-83D18124AA68}"/>
+                </a:ext>
+              </a:extLst>
+            </p:cNvPr>
+            <p:cNvCxnSpPr>
+              <a:cxnSpLocks/>
+            </p:cNvCxnSpPr>
+            <p:nvPr/>
+          </p:nvCxnSpPr>
+          <p:spPr>
+            <a:xfrm>
+              <a:off x="6509449" y="4110361"/>
+              <a:ext cx="0" cy="175760"/>
+            </a:xfrm>
+            <a:prstGeom prst="straightConnector1">
+              <a:avLst/>
+            </a:prstGeom>
+            <a:ln w="28575">
+              <a:solidFill>
+                <a:srgbClr val="494949"/>
+              </a:solidFill>
+              <a:tailEnd type="triangle"/>
+            </a:ln>
+          </p:spPr>
+          <p:style>
+            <a:lnRef idx="1">
+              <a:schemeClr val="accent1"/>
+            </a:lnRef>
+            <a:fillRef idx="0">
+              <a:schemeClr val="accent1"/>
+            </a:fillRef>
+            <a:effectRef idx="0">
+              <a:schemeClr val="accent1"/>
+            </a:effectRef>
+            <a:fontRef idx="minor">
+              <a:schemeClr val="tx1"/>
+            </a:fontRef>
+          </p:style>
+        </p:cxnSp>
+        <p:cxnSp>
+          <p:nvCxnSpPr>
+            <p:cNvPr id="50" name="Straight Arrow Connector 49">
+              <a:extLst>
+                <a:ext uri="{FF2B5EF4-FFF2-40B4-BE49-F238E27FC236}">
+                  <a16:creationId xmlns:a16="http://schemas.microsoft.com/office/drawing/2014/main" id="{9073EE0C-BABB-E94E-9401-A70441BDE632}"/>
+                </a:ext>
+              </a:extLst>
+            </p:cNvPr>
+            <p:cNvCxnSpPr>
+              <a:cxnSpLocks/>
+            </p:cNvCxnSpPr>
+            <p:nvPr/>
+          </p:nvCxnSpPr>
+          <p:spPr>
+            <a:xfrm flipH="1">
+              <a:off x="7730621" y="4553893"/>
+              <a:ext cx="593570" cy="0"/>
+            </a:xfrm>
+            <a:prstGeom prst="straightConnector1">
+              <a:avLst/>
+            </a:prstGeom>
+            <a:ln w="28575">
+              <a:solidFill>
+                <a:srgbClr val="494949"/>
+              </a:solidFill>
+              <a:tailEnd type="triangle"/>
+            </a:ln>
+          </p:spPr>
+          <p:style>
+            <a:lnRef idx="1">
+              <a:schemeClr val="accent1"/>
+            </a:lnRef>
+            <a:fillRef idx="0">
+              <a:schemeClr val="accent1"/>
+            </a:fillRef>
+            <a:effectRef idx="0">
+              <a:schemeClr val="accent1"/>
+            </a:effectRef>
+            <a:fontRef idx="minor">
+              <a:schemeClr val="tx1"/>
+            </a:fontRef>
+          </p:style>
+        </p:cxnSp>
+        <p:sp>
+          <p:nvSpPr>
+            <p:cNvPr id="51" name="Oval 50">
+              <a:extLst>
+                <a:ext uri="{FF2B5EF4-FFF2-40B4-BE49-F238E27FC236}">
+                  <a16:creationId xmlns:a16="http://schemas.microsoft.com/office/drawing/2014/main" id="{F92D577D-288B-C640-810D-9B5488F12C8A}"/>
+                </a:ext>
+              </a:extLst>
+            </p:cNvPr>
+            <p:cNvSpPr/>
+            <p:nvPr/>
+          </p:nvSpPr>
+          <p:spPr>
+            <a:xfrm>
+              <a:off x="7908484" y="4435628"/>
+              <a:ext cx="220484" cy="220484"/>
+            </a:xfrm>
+            <a:prstGeom prst="ellipse">
+              <a:avLst/>
+            </a:prstGeom>
+            <a:solidFill>
+              <a:schemeClr val="bg1"/>
+            </a:solidFill>
+            <a:ln w="28575">
+              <a:noFill/>
+            </a:ln>
+          </p:spPr>
+          <p:style>
+            <a:lnRef idx="2">
+              <a:schemeClr val="accent1">
+                <a:shade val="50000"/>
+              </a:schemeClr>
+            </a:lnRef>
+            <a:fillRef idx="1">
+              <a:schemeClr val="accent1"/>
+            </a:fillRef>
+            <a:effectRef idx="0">
+              <a:schemeClr val="accent1"/>
+            </a:effectRef>
+            <a:fontRef idx="minor">
+              <a:schemeClr val="lt1"/>
+            </a:fontRef>
+          </p:style>
+          <p:txBody>
+            <a:bodyPr rtlCol="0" anchor="ctr"/>
+            <a:lstStyle/>
+            <a:p>
+              <a:pPr algn="ctr"/>
+              <a:endParaRPr lang="en-US" dirty="0"/>
+            </a:p>
+          </p:txBody>
+        </p:sp>
+        <p:cxnSp>
+          <p:nvCxnSpPr>
+            <p:cNvPr id="52" name="Straight Arrow Connector 51">
+              <a:extLst>
+                <a:ext uri="{FF2B5EF4-FFF2-40B4-BE49-F238E27FC236}">
+                  <a16:creationId xmlns:a16="http://schemas.microsoft.com/office/drawing/2014/main" id="{069DAAA4-A5E9-5F48-88DF-7834B9114BE3}"/>
+                </a:ext>
+              </a:extLst>
+            </p:cNvPr>
+            <p:cNvCxnSpPr>
+              <a:cxnSpLocks/>
+            </p:cNvCxnSpPr>
+            <p:nvPr/>
+          </p:nvCxnSpPr>
+          <p:spPr>
+            <a:xfrm>
+              <a:off x="7730621" y="4392616"/>
+              <a:ext cx="593570" cy="0"/>
+            </a:xfrm>
+            <a:prstGeom prst="straightConnector1">
+              <a:avLst/>
+            </a:prstGeom>
+            <a:ln w="28575">
+              <a:solidFill>
+                <a:srgbClr val="494949"/>
+              </a:solidFill>
+              <a:tailEnd type="triangle"/>
+            </a:ln>
+          </p:spPr>
+          <p:style>
+            <a:lnRef idx="1">
+              <a:schemeClr val="accent1"/>
+            </a:lnRef>
+            <a:fillRef idx="0">
+              <a:schemeClr val="accent1"/>
+            </a:fillRef>
+            <a:effectRef idx="0">
+              <a:schemeClr val="accent1"/>
+            </a:effectRef>
+            <a:fontRef idx="minor">
+              <a:schemeClr val="tx1"/>
+            </a:fontRef>
+          </p:style>
+        </p:cxnSp>
+        <p:sp>
+          <p:nvSpPr>
+            <p:cNvPr id="53" name="Oval 52">
+              <a:extLst>
+                <a:ext uri="{FF2B5EF4-FFF2-40B4-BE49-F238E27FC236}">
+                  <a16:creationId xmlns:a16="http://schemas.microsoft.com/office/drawing/2014/main" id="{CF440303-7094-D24D-B5E5-375DD8022440}"/>
+                </a:ext>
+              </a:extLst>
+            </p:cNvPr>
+            <p:cNvSpPr/>
+            <p:nvPr/>
+          </p:nvSpPr>
+          <p:spPr>
+            <a:xfrm>
+              <a:off x="7947509" y="4475722"/>
+              <a:ext cx="133165" cy="133165"/>
+            </a:xfrm>
+            <a:prstGeom prst="ellipse">
+              <a:avLst/>
+            </a:prstGeom>
+            <a:solidFill>
+              <a:schemeClr val="bg1"/>
+            </a:solidFill>
+            <a:ln w="28575">
+              <a:solidFill>
+                <a:srgbClr val="494949"/>
+              </a:solidFill>
+            </a:ln>
+          </p:spPr>
+          <p:style>
+            <a:lnRef idx="2">
+              <a:schemeClr val="accent1">
+                <a:shade val="50000"/>
+              </a:schemeClr>
+            </a:lnRef>
+            <a:fillRef idx="1">
+              <a:schemeClr val="accent1"/>
+            </a:fillRef>
+            <a:effectRef idx="0">
+              <a:schemeClr val="accent1"/>
+            </a:effectRef>
+            <a:fontRef idx="minor">
+              <a:schemeClr val="lt1"/>
+            </a:fontRef>
+          </p:style>
+          <p:txBody>
+            <a:bodyPr rtlCol="0" anchor="ctr"/>
+            <a:lstStyle/>
+            <a:p>
+              <a:pPr algn="ctr"/>
+              <a:endParaRPr lang="en-US"/>
+            </a:p>
+          </p:txBody>
+        </p:sp>
+        <p:cxnSp>
+          <p:nvCxnSpPr>
+            <p:cNvPr id="54" name="Straight Connector 53">
+              <a:extLst>
+                <a:ext uri="{FF2B5EF4-FFF2-40B4-BE49-F238E27FC236}">
+                  <a16:creationId xmlns:a16="http://schemas.microsoft.com/office/drawing/2014/main" id="{6949E176-E30E-5647-9E59-92FEF991DB79}"/>
+                </a:ext>
+              </a:extLst>
+            </p:cNvPr>
+            <p:cNvCxnSpPr>
+              <a:stCxn id="53" idx="5"/>
+            </p:cNvCxnSpPr>
+            <p:nvPr/>
+          </p:nvCxnSpPr>
+          <p:spPr>
+            <a:xfrm>
+              <a:off x="8061172" y="4589385"/>
+              <a:ext cx="85552" cy="85552"/>
+            </a:xfrm>
+            <a:prstGeom prst="line">
+              <a:avLst/>
+            </a:prstGeom>
+            <a:ln w="28575">
+              <a:solidFill>
+                <a:srgbClr val="494949"/>
+              </a:solidFill>
+            </a:ln>
+          </p:spPr>
+          <p:style>
+            <a:lnRef idx="1">
+              <a:schemeClr val="accent1"/>
+            </a:lnRef>
+            <a:fillRef idx="0">
+              <a:schemeClr val="accent1"/>
+            </a:fillRef>
+            <a:effectRef idx="0">
+              <a:schemeClr val="accent1"/>
+            </a:effectRef>
+            <a:fontRef idx="minor">
+              <a:schemeClr val="tx1"/>
+            </a:fontRef>
+          </p:style>
+        </p:cxnSp>
+      </p:grpSp>
+      <p:cxnSp>
+        <p:nvCxnSpPr>
+          <p:cNvPr id="62" name="Straight Arrow Connector 61">
+            <a:extLst>
+              <a:ext uri="{FF2B5EF4-FFF2-40B4-BE49-F238E27FC236}">
+                <a16:creationId xmlns:a16="http://schemas.microsoft.com/office/drawing/2014/main" id="{A35139A8-9B0E-8541-90C0-F78EB883BD52}"/>
+              </a:ext>
+            </a:extLst>
+          </p:cNvPr>
+          <p:cNvCxnSpPr>
+            <a:cxnSpLocks/>
+          </p:cNvCxnSpPr>
+          <p:nvPr/>
+        </p:nvCxnSpPr>
+        <p:spPr>
+          <a:xfrm>
+            <a:off x="2381693" y="5293321"/>
+            <a:ext cx="3105694" cy="0"/>
+          </a:xfrm>
+          <a:prstGeom prst="straightConnector1">
+            <a:avLst/>
+          </a:prstGeom>
+          <a:ln w="28575">
+            <a:solidFill>
+              <a:srgbClr val="494949"/>
+            </a:solidFill>
+            <a:tailEnd type="triangle"/>
+          </a:ln>
+        </p:spPr>
+        <p:style>
+          <a:lnRef idx="1">
+            <a:schemeClr val="accent1"/>
+          </a:lnRef>
+          <a:fillRef idx="0">
+            <a:schemeClr val="accent1"/>
+          </a:fillRef>
+          <a:effectRef idx="0">
+            <a:schemeClr val="accent1"/>
+          </a:effectRef>
+          <a:fontRef idx="minor">
+            <a:schemeClr val="tx1"/>
+          </a:fontRef>
+        </p:style>
+      </p:cxnSp>
+      <p:sp>
+        <p:nvSpPr>
+          <p:cNvPr id="64" name="Rectangle 63">
+            <a:extLst>
+              <a:ext uri="{FF2B5EF4-FFF2-40B4-BE49-F238E27FC236}">
+                <a16:creationId xmlns:a16="http://schemas.microsoft.com/office/drawing/2014/main" id="{206D56D8-5F8D-634C-A400-2507567054EF}"/>
+              </a:ext>
+            </a:extLst>
+          </p:cNvPr>
+          <p:cNvSpPr/>
+          <p:nvPr/>
+        </p:nvSpPr>
+        <p:spPr>
+          <a:xfrm>
+            <a:off x="5466672" y="3001308"/>
+            <a:ext cx="2401876" cy="523220"/>
+          </a:xfrm>
+          <a:prstGeom prst="rect">
+            <a:avLst/>
+          </a:prstGeom>
+        </p:spPr>
+        <p:txBody>
+          <a:bodyPr wrap="none">
+            <a:spAutoFit/>
+          </a:bodyPr>
+          <a:lstStyle/>
+          <a:p>
+            <a:r>
+              <a:rPr lang="en-US" sz="2800" b="1" dirty="0">
+                <a:solidFill>
+                  <a:srgbClr val="35B7F5"/>
+                </a:solidFill>
+              </a:rPr>
+              <a:t>Postprocessing</a:t>
+            </a:r>
+          </a:p>
+        </p:txBody>
+      </p:sp>
+      <p:sp>
+        <p:nvSpPr>
+          <p:cNvPr id="13" name="Title 12">
+            <a:extLst>
+              <a:ext uri="{FF2B5EF4-FFF2-40B4-BE49-F238E27FC236}">
+                <a16:creationId xmlns:a16="http://schemas.microsoft.com/office/drawing/2014/main" id="{4ED46FC0-5CA2-F42B-BB4A-EF8902F36A5B}"/>
+              </a:ext>
+            </a:extLst>
+          </p:cNvPr>
+          <p:cNvSpPr>
+            <a:spLocks noGrp="1"/>
+          </p:cNvSpPr>
+          <p:nvPr>
+            <p:ph type="title"/>
+          </p:nvPr>
+        </p:nvSpPr>
+        <p:spPr/>
+        <p:txBody>
+          <a:bodyPr/>
+          <a:lstStyle/>
+          <a:p>
+            <a:endParaRPr lang="en-GB"/>
+          </a:p>
+        </p:txBody>
+      </p:sp>
+      <p:sp>
+        <p:nvSpPr>
+          <p:cNvPr id="47" name="Rectangle 46">
+            <a:extLst>
+              <a:ext uri="{FF2B5EF4-FFF2-40B4-BE49-F238E27FC236}">
+                <a16:creationId xmlns:a16="http://schemas.microsoft.com/office/drawing/2014/main" id="{50230FDC-060A-A869-5A10-9547E1CC5A6B}"/>
+              </a:ext>
+            </a:extLst>
+          </p:cNvPr>
+          <p:cNvSpPr/>
+          <p:nvPr/>
+        </p:nvSpPr>
+        <p:spPr>
+          <a:xfrm>
+            <a:off x="0" y="2"/>
+            <a:ext cx="12192000" cy="1296364"/>
+          </a:xfrm>
+          <a:prstGeom prst="rect">
+            <a:avLst/>
+          </a:prstGeom>
+          <a:solidFill>
+            <a:srgbClr val="00ACE6"/>
+          </a:solidFill>
+          <a:ln>
+            <a:noFill/>
+          </a:ln>
+        </p:spPr>
+        <p:style>
+          <a:lnRef idx="2">
+            <a:schemeClr val="accent1">
+              <a:shade val="50000"/>
+            </a:schemeClr>
+          </a:lnRef>
+          <a:fillRef idx="1">
+            <a:schemeClr val="accent1"/>
+          </a:fillRef>
+          <a:effectRef idx="0">
+            <a:schemeClr val="accent1"/>
+          </a:effectRef>
+          <a:fontRef idx="minor">
+            <a:schemeClr val="lt1"/>
+          </a:fontRef>
+        </p:style>
+        <p:txBody>
+          <a:bodyPr rtlCol="0" anchor="ctr"/>
+          <a:lstStyle/>
+          <a:p>
+            <a:r>
+              <a:rPr lang="en-GB" sz="4800" b="1" dirty="0"/>
+              <a:t>Workflow manager</a:t>
+            </a:r>
+          </a:p>
+        </p:txBody>
+      </p:sp>
+    </p:spTree>
+    <p:extLst>
+      <p:ext uri="{BB962C8B-B14F-4D97-AF65-F5344CB8AC3E}">
+        <p14:creationId xmlns:p14="http://schemas.microsoft.com/office/powerpoint/2010/main" val="4278264000"/>
+      </p:ext>
+    </p:extLst>
+  </p:cSld>
+  <p:clrMapOvr>
+    <a:masterClrMapping/>
+  </p:clrMapOvr>
+</p:sld>
+</file>
+
+<file path=ppt/slides/slide5.xml><?xml version="1.0" encoding="utf-8"?>
+<p:sld xmlns:a="http://schemas.openxmlformats.org/drawingml/2006/main" xmlns:r="http://schemas.openxmlformats.org/officeDocument/2006/relationships" xmlns:p="http://schemas.openxmlformats.org/presentationml/2006/main">
+  <p:cSld>
+    <p:spTree>
+      <p:nvGrpSpPr>
+        <p:cNvPr id="1" name=""/>
+        <p:cNvGrpSpPr/>
+        <p:nvPr/>
+      </p:nvGrpSpPr>
+      <p:grpSpPr>
+        <a:xfrm>
+          <a:off x="0" y="0"/>
+          <a:ext cx="0" cy="0"/>
+          <a:chOff x="0" y="0"/>
+          <a:chExt cx="0" cy="0"/>
+        </a:xfrm>
+      </p:grpSpPr>
+      <p:sp>
+        <p:nvSpPr>
           <p:cNvPr id="2" name="Rectangle 1"/>
           <p:cNvSpPr/>
           <p:nvPr/>
